--- a/Abschlusspräsentation-SimTune.pptx
+++ b/Abschlusspräsentation-SimTune.pptx
@@ -386,6 +386,325 @@
           <a:bodyPr/>
           <a:lstStyle/>
           <a:p>
+            <a:r>
+              <a:rPr lang="en-US" dirty="0" err="1"/>
+              <a:t>Prinzip</a:t>
+            </a:r>
+            <a:r>
+              <a:rPr lang="en-US" dirty="0"/>
+              <a:t> der </a:t>
+            </a:r>
+            <a:r>
+              <a:rPr lang="en-US" dirty="0" err="1"/>
+              <a:t>Musikschulen</a:t>
+            </a:r>
+            <a:r>
+              <a:rPr lang="en-US" dirty="0"/>
+              <a:t> </a:t>
+            </a:r>
+            <a:r>
+              <a:rPr lang="en-US" dirty="0" err="1"/>
+              <a:t>erklären</a:t>
+            </a:r>
+            <a:br>
+              <a:rPr lang="en-US" dirty="0"/>
+            </a:br>
+            <a:r>
+              <a:rPr lang="en-US" dirty="0" err="1"/>
+              <a:t>Welche</a:t>
+            </a:r>
+            <a:r>
+              <a:rPr lang="en-US" dirty="0"/>
+              <a:t> </a:t>
+            </a:r>
+            <a:r>
+              <a:rPr lang="en-US" dirty="0" err="1"/>
+              <a:t>übertrittsprüfungen</a:t>
+            </a:r>
+            <a:r>
+              <a:rPr lang="en-US" dirty="0"/>
+              <a:t> </a:t>
+            </a:r>
+            <a:r>
+              <a:rPr lang="en-US" dirty="0" err="1"/>
+              <a:t>gibt</a:t>
+            </a:r>
+            <a:r>
+              <a:rPr lang="en-US" dirty="0"/>
+              <a:t> es und </a:t>
+            </a:r>
+            <a:r>
+              <a:rPr lang="en-US" dirty="0" err="1"/>
+              <a:t>welche</a:t>
+            </a:r>
+            <a:r>
+              <a:rPr lang="en-US" dirty="0"/>
+              <a:t> music </a:t>
+            </a:r>
+            <a:r>
+              <a:rPr lang="en-US" dirty="0" err="1"/>
+              <a:t>theorieprüfungen</a:t>
+            </a:r>
+            <a:r>
+              <a:rPr lang="en-US" dirty="0"/>
+              <a:t> </a:t>
+            </a:r>
+            <a:r>
+              <a:rPr lang="en-US" dirty="0" err="1"/>
+              <a:t>müssen</a:t>
+            </a:r>
+            <a:r>
+              <a:rPr lang="en-US" dirty="0"/>
+              <a:t> </a:t>
+            </a:r>
+            <a:r>
+              <a:rPr lang="en-US" dirty="0" err="1"/>
+              <a:t>dafür</a:t>
+            </a:r>
+            <a:r>
+              <a:rPr lang="en-US" dirty="0"/>
+              <a:t> </a:t>
+            </a:r>
+            <a:r>
+              <a:rPr lang="en-US" dirty="0" err="1"/>
+              <a:t>abgeschlossen</a:t>
+            </a:r>
+            <a:r>
+              <a:rPr lang="en-US" dirty="0"/>
+              <a:t> </a:t>
+            </a:r>
+            <a:r>
+              <a:rPr lang="en-US" dirty="0" err="1"/>
+              <a:t>werden</a:t>
+            </a:r>
+            <a:endParaRPr lang="en-US" dirty="0"/>
+          </a:p>
+          <a:p>
+            <a:r>
+              <a:rPr lang="en-US" dirty="0" err="1"/>
+              <a:t>Diagramm</a:t>
+            </a:r>
+            <a:r>
+              <a:rPr lang="en-US" dirty="0"/>
+              <a:t> </a:t>
+            </a:r>
+            <a:r>
+              <a:rPr lang="en-US" dirty="0" err="1"/>
+              <a:t>anzeigen</a:t>
+            </a:r>
+            <a:r>
+              <a:rPr lang="en-US" dirty="0"/>
+              <a:t> </a:t>
+            </a:r>
+            <a:r>
+              <a:rPr lang="en-US" dirty="0" err="1"/>
+              <a:t>mit</a:t>
+            </a:r>
+            <a:r>
+              <a:rPr lang="en-US" dirty="0"/>
+              <a:t> den </a:t>
+            </a:r>
+            <a:r>
+              <a:rPr lang="en-US" dirty="0" err="1"/>
+              <a:t>Stufen</a:t>
+            </a:r>
+            <a:r>
+              <a:rPr lang="en-US" dirty="0"/>
+              <a:t> (Junior, Bronze….) + </a:t>
+            </a:r>
+            <a:r>
+              <a:rPr lang="en-US" dirty="0" err="1"/>
+              <a:t>Vorraussetzungen</a:t>
+            </a:r>
+            <a:endParaRPr lang="en-US" dirty="0"/>
+          </a:p>
+          <a:p>
+            <a:r>
+              <a:rPr lang="en-US" dirty="0"/>
+              <a:t> + </a:t>
+            </a:r>
+            <a:r>
+              <a:rPr lang="en-US" dirty="0" err="1"/>
+              <a:t>Später</a:t>
+            </a:r>
+            <a:r>
+              <a:rPr lang="en-US" dirty="0"/>
+              <a:t> 2x </a:t>
+            </a:r>
+            <a:r>
+              <a:rPr lang="en-US" dirty="0" err="1"/>
+              <a:t>wiederholen</a:t>
+            </a:r>
+            <a:endParaRPr lang="en-US" dirty="0"/>
+          </a:p>
+          <a:p>
+            <a:r>
+              <a:rPr lang="en-US" dirty="0"/>
+              <a:t>Sagen </a:t>
+            </a:r>
+            <a:r>
+              <a:rPr lang="en-US" dirty="0" err="1"/>
+              <a:t>wir</a:t>
+            </a:r>
+            <a:r>
+              <a:rPr lang="en-US" dirty="0"/>
+              <a:t> Welcher </a:t>
+            </a:r>
+            <a:r>
+              <a:rPr lang="en-US" dirty="0" err="1"/>
+              <a:t>Anteil</a:t>
+            </a:r>
+            <a:r>
+              <a:rPr lang="en-US" dirty="0"/>
+              <a:t> der </a:t>
+            </a:r>
+            <a:r>
+              <a:rPr lang="en-US" dirty="0" err="1"/>
+              <a:t>Theorieprüfung</a:t>
+            </a:r>
+            <a:r>
+              <a:rPr lang="en-US" dirty="0"/>
+              <a:t> </a:t>
+            </a:r>
+            <a:r>
+              <a:rPr lang="en-US" dirty="0" err="1"/>
+              <a:t>wird</a:t>
+            </a:r>
+            <a:r>
+              <a:rPr lang="en-US" dirty="0"/>
+              <a:t> von </a:t>
+            </a:r>
+            <a:r>
+              <a:rPr lang="en-US" dirty="0" err="1"/>
+              <a:t>uns</a:t>
+            </a:r>
+            <a:r>
+              <a:rPr lang="en-US" dirty="0"/>
+              <a:t> </a:t>
+            </a:r>
+            <a:r>
+              <a:rPr lang="en-US" dirty="0" err="1"/>
+              <a:t>abgedeckt</a:t>
+            </a:r>
+            <a:endParaRPr lang="en-US" dirty="0"/>
+          </a:p>
+          <a:p>
+            <a:r>
+              <a:rPr lang="en-US" dirty="0" err="1"/>
+              <a:t>Kategorien</a:t>
+            </a:r>
+            <a:r>
+              <a:rPr lang="en-US" dirty="0"/>
+              <a:t>: Noten lessen (</a:t>
+            </a:r>
+            <a:r>
+              <a:rPr lang="en-US" dirty="0" err="1"/>
+              <a:t>Intervalle</a:t>
+            </a:r>
+            <a:r>
+              <a:rPr lang="en-US" dirty="0"/>
+              <a:t>, </a:t>
+            </a:r>
+            <a:r>
+              <a:rPr lang="en-US" dirty="0" err="1"/>
+              <a:t>Tonleitern</a:t>
+            </a:r>
+            <a:r>
+              <a:rPr lang="en-US" dirty="0"/>
+              <a:t>, </a:t>
+            </a:r>
+            <a:r>
+              <a:rPr lang="en-US" dirty="0" err="1"/>
+              <a:t>StammtöneI</a:t>
+            </a:r>
+            <a:r>
+              <a:rPr lang="en-US" dirty="0"/>
+              <a:t>); </a:t>
+            </a:r>
+            <a:r>
+              <a:rPr lang="en-US" dirty="0" err="1"/>
+              <a:t>Töne</a:t>
+            </a:r>
+            <a:r>
+              <a:rPr lang="en-US" dirty="0"/>
+              <a:t> </a:t>
+            </a:r>
+            <a:r>
+              <a:rPr lang="en-US" dirty="0" err="1"/>
+              <a:t>werden</a:t>
+            </a:r>
+            <a:r>
+              <a:rPr lang="en-US" dirty="0"/>
+              <a:t> </a:t>
+            </a:r>
+            <a:r>
+              <a:rPr lang="en-US" dirty="0" err="1"/>
+              <a:t>abgespielt</a:t>
+            </a:r>
+            <a:r>
+              <a:rPr lang="en-US" dirty="0"/>
+              <a:t> (</a:t>
+            </a:r>
+            <a:r>
+              <a:rPr lang="en-US" dirty="0" err="1"/>
+              <a:t>Zuordnen</a:t>
+            </a:r>
+            <a:r>
+              <a:rPr lang="en-US" dirty="0"/>
+              <a:t> </a:t>
+            </a:r>
+            <a:r>
+              <a:rPr lang="en-US" dirty="0" err="1"/>
+              <a:t>ob</a:t>
+            </a:r>
+            <a:r>
+              <a:rPr lang="en-US" dirty="0"/>
+              <a:t> </a:t>
+            </a:r>
+            <a:r>
+              <a:rPr lang="en-US" dirty="0" err="1"/>
+              <a:t>Intervall</a:t>
+            </a:r>
+            <a:r>
+              <a:rPr lang="en-US" dirty="0"/>
+              <a:t>, </a:t>
+            </a:r>
+            <a:r>
+              <a:rPr lang="en-US" dirty="0" err="1"/>
+              <a:t>Tonleiter</a:t>
+            </a:r>
+            <a:r>
+              <a:rPr lang="en-US" dirty="0"/>
+              <a:t>…)</a:t>
+            </a:r>
+          </a:p>
+          <a:p>
+            <a:r>
+              <a:rPr lang="en-US" dirty="0" err="1"/>
+              <a:t>Übungen</a:t>
+            </a:r>
+            <a:r>
+              <a:rPr lang="en-US" dirty="0"/>
+              <a:t> </a:t>
+            </a:r>
+            <a:r>
+              <a:rPr lang="en-US" dirty="0" err="1"/>
+              <a:t>anteasern</a:t>
+            </a:r>
+            <a:r>
+              <a:rPr lang="en-US" dirty="0"/>
+              <a:t> (</a:t>
+            </a:r>
+            <a:r>
+              <a:rPr lang="en-US" dirty="0" err="1"/>
+              <a:t>Wiederkennungseffekt</a:t>
+            </a:r>
+            <a:r>
+              <a:rPr lang="en-US" dirty="0"/>
+              <a:t>)</a:t>
+            </a:r>
+          </a:p>
+          <a:p>
             <a:endParaRPr lang="en-US" dirty="0"/>
           </a:p>
         </p:txBody>
@@ -488,6 +807,117 @@
           <a:bodyPr/>
           <a:lstStyle/>
           <a:p>
+            <a:r>
+              <a:rPr lang="en-US" dirty="0" err="1"/>
+              <a:t>Inhaltsverzeichnis</a:t>
+            </a:r>
+            <a:r>
+              <a:rPr lang="en-US" dirty="0"/>
+              <a:t> für die Live Demo</a:t>
+            </a:r>
+          </a:p>
+          <a:p>
+            <a:r>
+              <a:rPr lang="en-US" dirty="0"/>
+              <a:t>Feature set in </a:t>
+            </a:r>
+            <a:r>
+              <a:rPr lang="en-US" dirty="0" err="1"/>
+              <a:t>worten</a:t>
+            </a:r>
+            <a:r>
+              <a:rPr lang="en-US" dirty="0"/>
+              <a:t> &amp; </a:t>
+            </a:r>
+            <a:r>
+              <a:rPr lang="en-US" dirty="0" err="1"/>
+              <a:t>erklären</a:t>
+            </a:r>
+            <a:endParaRPr lang="en-US" dirty="0"/>
+          </a:p>
+          <a:p>
+            <a:r>
+              <a:rPr lang="en-US" dirty="0" err="1"/>
+              <a:t>Übungsteil</a:t>
+            </a:r>
+            <a:r>
+              <a:rPr lang="en-US" dirty="0"/>
+              <a:t> </a:t>
+            </a:r>
+            <a:r>
+              <a:rPr lang="en-US" dirty="0" err="1"/>
+              <a:t>mit</a:t>
+            </a:r>
+            <a:r>
+              <a:rPr lang="en-US" dirty="0"/>
+              <a:t> </a:t>
+            </a:r>
+            <a:r>
+              <a:rPr lang="en-US" dirty="0" err="1"/>
+              <a:t>diesen</a:t>
+            </a:r>
+            <a:r>
+              <a:rPr lang="en-US" dirty="0"/>
+              <a:t> 3 </a:t>
+            </a:r>
+            <a:r>
+              <a:rPr lang="en-US" dirty="0" err="1"/>
+              <a:t>Übungstypen</a:t>
+            </a:r>
+            <a:endParaRPr lang="en-US" dirty="0"/>
+          </a:p>
+          <a:p>
+            <a:r>
+              <a:rPr lang="en-US" dirty="0"/>
+              <a:t>Und </a:t>
+            </a:r>
+            <a:r>
+              <a:rPr lang="en-US" dirty="0" err="1"/>
+              <a:t>dann</a:t>
+            </a:r>
+            <a:r>
+              <a:rPr lang="en-US" dirty="0"/>
+              <a:t> </a:t>
+            </a:r>
+            <a:r>
+              <a:rPr lang="en-US" dirty="0" err="1"/>
+              <a:t>Prüfungssimulation</a:t>
+            </a:r>
+            <a:r>
+              <a:rPr lang="en-US" dirty="0"/>
+              <a:t> </a:t>
+            </a:r>
+            <a:r>
+              <a:rPr lang="en-US" dirty="0" err="1"/>
+              <a:t>mit</a:t>
+            </a:r>
+            <a:r>
+              <a:rPr lang="en-US" dirty="0"/>
+              <a:t> </a:t>
+            </a:r>
+            <a:r>
+              <a:rPr lang="en-US" dirty="0" err="1"/>
+              <a:t>wieder</a:t>
+            </a:r>
+            <a:r>
+              <a:rPr lang="en-US" dirty="0"/>
+              <a:t> </a:t>
+            </a:r>
+            <a:r>
+              <a:rPr lang="en-US" dirty="0" err="1"/>
+              <a:t>diesen</a:t>
+            </a:r>
+            <a:r>
+              <a:rPr lang="en-US" dirty="0"/>
+              <a:t> 3 </a:t>
+            </a:r>
+            <a:r>
+              <a:rPr lang="en-US" dirty="0" err="1"/>
+              <a:t>Übungen</a:t>
+            </a:r>
+            <a:endParaRPr lang="en-US" dirty="0"/>
+          </a:p>
+          <a:p>
             <a:endParaRPr lang="en-US" dirty="0"/>
           </a:p>
         </p:txBody>
@@ -596,6 +1026,26 @@
           <a:bodyPr/>
           <a:lstStyle/>
           <a:p>
+            <a:r>
+              <a:rPr lang="en-US" dirty="0" err="1"/>
+              <a:t>Intervalle</a:t>
+            </a:r>
+            <a:r>
+              <a:rPr lang="en-US" dirty="0"/>
+              <a:t> </a:t>
+            </a:r>
+            <a:r>
+              <a:rPr lang="en-US" dirty="0" err="1"/>
+              <a:t>schreiben</a:t>
+            </a:r>
+            <a:r>
+              <a:rPr lang="en-US" dirty="0"/>
+              <a:t>, Klavier, </a:t>
+            </a:r>
+            <a:r>
+              <a:rPr lang="en-US" dirty="0" err="1"/>
+              <a:t>Tonleitern</a:t>
+            </a:r>
             <a:endParaRPr lang="en-US" dirty="0"/>
           </a:p>
         </p:txBody>
@@ -770,6 +1220,20 @@
           <a:bodyPr/>
           <a:lstStyle/>
           <a:p>
+            <a:r>
+              <a:rPr lang="en-US" dirty="0" err="1"/>
+              <a:t>Stattdessen</a:t>
+            </a:r>
+            <a:r>
+              <a:rPr lang="en-US" dirty="0"/>
+              <a:t> Business Plan</a:t>
+            </a:r>
+          </a:p>
+          <a:p>
+            <a:r>
+              <a:rPr lang="en-US" dirty="0" err="1"/>
+              <a:t>Marktchancen</a:t>
+            </a:r>
             <a:endParaRPr lang="en-US" dirty="0"/>
           </a:p>
         </p:txBody>
@@ -854,6 +1318,26 @@
           <a:bodyPr/>
           <a:lstStyle/>
           <a:p>
+            <a:r>
+              <a:rPr lang="en-US" dirty="0" err="1"/>
+              <a:t>Brauchen</a:t>
+            </a:r>
+            <a:r>
+              <a:rPr lang="en-US" dirty="0"/>
+              <a:t> </a:t>
+            </a:r>
+            <a:r>
+              <a:rPr lang="en-US" dirty="0" err="1"/>
+              <a:t>wir</a:t>
+            </a:r>
+            <a:r>
+              <a:rPr lang="en-US" dirty="0"/>
+              <a:t> nicht </a:t>
+            </a:r>
+            <a:r>
+              <a:rPr lang="en-US" dirty="0" err="1"/>
+              <a:t>mehr</a:t>
+            </a:r>
             <a:endParaRPr lang="en-US" dirty="0"/>
           </a:p>
         </p:txBody>
@@ -938,6 +1422,21 @@
           <a:bodyPr/>
           <a:lstStyle/>
           <a:p>
+            <a:r>
+              <a:rPr lang="en-US" dirty="0" err="1"/>
+              <a:t>Evt</a:t>
+            </a:r>
+            <a:r>
+              <a:rPr lang="en-US" dirty="0"/>
+              <a:t>. 2 </a:t>
+            </a:r>
+            <a:r>
+              <a:rPr lang="en-US" dirty="0" err="1"/>
+              <a:t>folien</a:t>
+            </a:r>
+            <a:br>
+              <a:rPr lang="en-US" dirty="0"/>
+            </a:br>
             <a:endParaRPr lang="en-US" dirty="0"/>
           </a:p>
         </p:txBody>
@@ -1128,6 +1627,13 @@
           </a:solidFill>
           <a:ln/>
         </p:spPr>
+        <p:txBody>
+          <a:bodyPr/>
+          <a:lstStyle/>
+          <a:p>
+            <a:endParaRPr lang="de-AT"/>
+          </a:p>
+        </p:txBody>
       </p:sp>
       <p:sp>
         <p:nvSpPr>
@@ -1148,6 +1654,13 @@
           </a:solidFill>
           <a:ln/>
         </p:spPr>
+        <p:txBody>
+          <a:bodyPr/>
+          <a:lstStyle/>
+          <a:p>
+            <a:endParaRPr lang="de-AT"/>
+          </a:p>
+        </p:txBody>
       </p:sp>
       <p:pic>
         <p:nvPicPr>
@@ -1219,6 +1732,13 @@
           </a:solidFill>
           <a:ln/>
         </p:spPr>
+        <p:txBody>
+          <a:bodyPr/>
+          <a:lstStyle/>
+          <a:p>
+            <a:endParaRPr lang="de-AT"/>
+          </a:p>
+        </p:txBody>
       </p:sp>
       <p:sp>
         <p:nvSpPr>
@@ -1239,6 +1759,13 @@
           </a:solidFill>
           <a:ln/>
         </p:spPr>
+        <p:txBody>
+          <a:bodyPr/>
+          <a:lstStyle/>
+          <a:p>
+            <a:endParaRPr lang="de-AT"/>
+          </a:p>
+        </p:txBody>
       </p:sp>
       <p:pic>
         <p:nvPicPr>
@@ -1310,6 +1837,13 @@
           </a:solidFill>
           <a:ln/>
         </p:spPr>
+        <p:txBody>
+          <a:bodyPr/>
+          <a:lstStyle/>
+          <a:p>
+            <a:endParaRPr lang="de-AT"/>
+          </a:p>
+        </p:txBody>
       </p:sp>
       <p:sp>
         <p:nvSpPr>
@@ -1330,6 +1864,13 @@
           </a:solidFill>
           <a:ln/>
         </p:spPr>
+        <p:txBody>
+          <a:bodyPr/>
+          <a:lstStyle/>
+          <a:p>
+            <a:endParaRPr lang="de-AT"/>
+          </a:p>
+        </p:txBody>
       </p:sp>
       <p:pic>
         <p:nvPicPr>
@@ -1492,6 +2033,13 @@
           </a:solidFill>
           <a:ln/>
         </p:spPr>
+        <p:txBody>
+          <a:bodyPr/>
+          <a:lstStyle/>
+          <a:p>
+            <a:endParaRPr lang="de-AT"/>
+          </a:p>
+        </p:txBody>
       </p:sp>
       <p:sp>
         <p:nvSpPr>
@@ -1512,6 +2060,13 @@
           </a:solidFill>
           <a:ln/>
         </p:spPr>
+        <p:txBody>
+          <a:bodyPr/>
+          <a:lstStyle/>
+          <a:p>
+            <a:endParaRPr lang="de-AT"/>
+          </a:p>
+        </p:txBody>
       </p:sp>
       <p:pic>
         <p:nvPicPr>
@@ -1583,6 +2138,13 @@
           </a:solidFill>
           <a:ln/>
         </p:spPr>
+        <p:txBody>
+          <a:bodyPr/>
+          <a:lstStyle/>
+          <a:p>
+            <a:endParaRPr lang="de-AT"/>
+          </a:p>
+        </p:txBody>
       </p:sp>
       <p:sp>
         <p:nvSpPr>
@@ -1603,6 +2165,13 @@
           </a:solidFill>
           <a:ln/>
         </p:spPr>
+        <p:txBody>
+          <a:bodyPr/>
+          <a:lstStyle/>
+          <a:p>
+            <a:endParaRPr lang="de-AT"/>
+          </a:p>
+        </p:txBody>
       </p:sp>
       <p:pic>
         <p:nvPicPr>
@@ -1674,6 +2243,13 @@
           </a:solidFill>
           <a:ln/>
         </p:spPr>
+        <p:txBody>
+          <a:bodyPr/>
+          <a:lstStyle/>
+          <a:p>
+            <a:endParaRPr lang="de-AT"/>
+          </a:p>
+        </p:txBody>
       </p:sp>
       <p:sp>
         <p:nvSpPr>
@@ -1694,6 +2270,13 @@
           </a:solidFill>
           <a:ln/>
         </p:spPr>
+        <p:txBody>
+          <a:bodyPr/>
+          <a:lstStyle/>
+          <a:p>
+            <a:endParaRPr lang="de-AT"/>
+          </a:p>
+        </p:txBody>
       </p:sp>
       <p:pic>
         <p:nvPicPr>
@@ -1765,6 +2348,13 @@
           </a:solidFill>
           <a:ln/>
         </p:spPr>
+        <p:txBody>
+          <a:bodyPr/>
+          <a:lstStyle/>
+          <a:p>
+            <a:endParaRPr lang="de-AT"/>
+          </a:p>
+        </p:txBody>
       </p:sp>
       <p:sp>
         <p:nvSpPr>
@@ -1785,6 +2375,13 @@
           </a:solidFill>
           <a:ln/>
         </p:spPr>
+        <p:txBody>
+          <a:bodyPr/>
+          <a:lstStyle/>
+          <a:p>
+            <a:endParaRPr lang="de-AT"/>
+          </a:p>
+        </p:txBody>
       </p:sp>
       <p:pic>
         <p:nvPicPr>
